--- a/2021/doc/進捗0706.pptx
+++ b/2021/doc/進捗0706.pptx
@@ -6,6 +6,16 @@
   </p:sldMasterIdLst>
   <p:sldIdLst>
     <p:sldId id="256" r:id="rId2"/>
+    <p:sldId id="257" r:id="rId3"/>
+    <p:sldId id="258" r:id="rId4"/>
+    <p:sldId id="259" r:id="rId5"/>
+    <p:sldId id="260" r:id="rId6"/>
+    <p:sldId id="261" r:id="rId7"/>
+    <p:sldId id="262" r:id="rId8"/>
+    <p:sldId id="263" r:id="rId9"/>
+    <p:sldId id="264" r:id="rId10"/>
+    <p:sldId id="265" r:id="rId11"/>
+    <p:sldId id="266" r:id="rId12"/>
   </p:sldIdLst>
   <p:sldSz cx="12192000" cy="6858000"/>
   <p:notesSz cx="6858000" cy="9144000"/>
@@ -3630,7 +3640,10 @@
           <a:bodyPr/>
           <a:lstStyle/>
           <a:p>
-            <a:endParaRPr kumimoji="1" lang="ja-JP" altLang="en-US"/>
+            <a:r>
+              <a:rPr kumimoji="1" lang="ja-JP" altLang="en-US"/>
+              <a:t>進捗</a:t>
+            </a:r>
           </a:p>
         </p:txBody>
       </p:sp>
@@ -3655,7 +3668,14 @@
           <a:bodyPr/>
           <a:lstStyle/>
           <a:p>
-            <a:endParaRPr kumimoji="1" lang="ja-JP" altLang="en-US"/>
+            <a:endParaRPr lang="en-US" altLang="ja-JP" dirty="0"/>
+          </a:p>
+          <a:p>
+            <a:r>
+              <a:rPr lang="ja-JP" altLang="en-US" sz="3200"/>
+              <a:t>熊田　匡仁</a:t>
+            </a:r>
+            <a:endParaRPr kumimoji="1" lang="ja-JP" altLang="en-US" sz="3200"/>
           </a:p>
         </p:txBody>
       </p:sp>
@@ -3663,6 +3683,1662 @@
     <p:extLst>
       <p:ext uri="{BB962C8B-B14F-4D97-AF65-F5344CB8AC3E}">
         <p14:creationId xmlns:p14="http://schemas.microsoft.com/office/powerpoint/2010/main" val="3261561167"/>
+      </p:ext>
+    </p:extLst>
+  </p:cSld>
+  <p:clrMapOvr>
+    <a:masterClrMapping/>
+  </p:clrMapOvr>
+</p:sld>
+</file>
+
+<file path=ppt/slides/slide10.xml><?xml version="1.0" encoding="utf-8"?>
+<p:sld xmlns:a="http://schemas.openxmlformats.org/drawingml/2006/main" xmlns:r="http://schemas.openxmlformats.org/officeDocument/2006/relationships" xmlns:p="http://schemas.openxmlformats.org/presentationml/2006/main">
+  <p:cSld>
+    <p:spTree>
+      <p:nvGrpSpPr>
+        <p:cNvPr id="1" name=""/>
+        <p:cNvGrpSpPr/>
+        <p:nvPr/>
+      </p:nvGrpSpPr>
+      <p:grpSpPr>
+        <a:xfrm>
+          <a:off x="0" y="0"/>
+          <a:ext cx="0" cy="0"/>
+          <a:chOff x="0" y="0"/>
+          <a:chExt cx="0" cy="0"/>
+        </a:xfrm>
+      </p:grpSpPr>
+      <p:sp>
+        <p:nvSpPr>
+          <p:cNvPr id="2" name="タイトル 1">
+            <a:extLst>
+              <a:ext uri="{FF2B5EF4-FFF2-40B4-BE49-F238E27FC236}">
+                <a16:creationId xmlns:a16="http://schemas.microsoft.com/office/drawing/2014/main" id="{6A09765D-D973-D148-AB22-A7A5F2C072E7}"/>
+              </a:ext>
+            </a:extLst>
+          </p:cNvPr>
+          <p:cNvSpPr>
+            <a:spLocks noGrp="1"/>
+          </p:cNvSpPr>
+          <p:nvPr>
+            <p:ph type="title"/>
+          </p:nvPr>
+        </p:nvSpPr>
+        <p:spPr/>
+        <p:txBody>
+          <a:bodyPr/>
+          <a:lstStyle/>
+          <a:p>
+            <a:r>
+              <a:rPr lang="en-US" altLang="ja-JP" dirty="0" err="1"/>
+              <a:t>Optuna</a:t>
+            </a:r>
+            <a:r>
+              <a:rPr lang="ja-JP" altLang="en-US"/>
+              <a:t>によるパラメータチューニング</a:t>
+            </a:r>
+            <a:endParaRPr kumimoji="1" lang="ja-JP" altLang="en-US"/>
+          </a:p>
+        </p:txBody>
+      </p:sp>
+      <p:sp>
+        <p:nvSpPr>
+          <p:cNvPr id="7" name="テキスト ボックス 6">
+            <a:extLst>
+              <a:ext uri="{FF2B5EF4-FFF2-40B4-BE49-F238E27FC236}">
+                <a16:creationId xmlns:a16="http://schemas.microsoft.com/office/drawing/2014/main" id="{51011442-9687-6C4E-B727-BC5E7A6A886F}"/>
+              </a:ext>
+            </a:extLst>
+          </p:cNvPr>
+          <p:cNvSpPr txBox="1"/>
+          <p:nvPr/>
+        </p:nvSpPr>
+        <p:spPr>
+          <a:xfrm>
+            <a:off x="761963" y="1635598"/>
+            <a:ext cx="861133" cy="461665"/>
+          </a:xfrm>
+          <a:prstGeom prst="rect">
+            <a:avLst/>
+          </a:prstGeom>
+          <a:noFill/>
+        </p:spPr>
+        <p:txBody>
+          <a:bodyPr wrap="none" rtlCol="0">
+            <a:spAutoFit/>
+          </a:bodyPr>
+          <a:lstStyle/>
+          <a:p>
+            <a:r>
+              <a:rPr lang="en-US" altLang="ja-JP" sz="2400" dirty="0"/>
+              <a:t>SV</a:t>
+            </a:r>
+            <a:r>
+              <a:rPr kumimoji="1" lang="en-US" altLang="ja-JP" sz="2400" dirty="0"/>
+              <a:t>M</a:t>
+            </a:r>
+            <a:endParaRPr kumimoji="1" lang="ja-JP" altLang="en-US" sz="2400"/>
+          </a:p>
+        </p:txBody>
+      </p:sp>
+      <p:pic>
+        <p:nvPicPr>
+          <p:cNvPr id="5" name="図 4" descr="グラフ, ダイアグラム, レーダー チャート&#10;&#10;自動的に生成された説明">
+            <a:extLst>
+              <a:ext uri="{FF2B5EF4-FFF2-40B4-BE49-F238E27FC236}">
+                <a16:creationId xmlns:a16="http://schemas.microsoft.com/office/drawing/2014/main" id="{9C3035C2-B40E-B143-BD92-BBA238B5FB9A}"/>
+              </a:ext>
+            </a:extLst>
+          </p:cNvPr>
+          <p:cNvPicPr>
+            <a:picLocks noChangeAspect="1"/>
+          </p:cNvPicPr>
+          <p:nvPr/>
+        </p:nvPicPr>
+        <p:blipFill>
+          <a:blip r:embed="rId2"/>
+          <a:stretch>
+            <a:fillRect/>
+          </a:stretch>
+        </p:blipFill>
+        <p:spPr>
+          <a:xfrm>
+            <a:off x="377944" y="2521130"/>
+            <a:ext cx="5441757" cy="3886969"/>
+          </a:xfrm>
+          <a:prstGeom prst="rect">
+            <a:avLst/>
+          </a:prstGeom>
+        </p:spPr>
+      </p:pic>
+      <p:pic>
+        <p:nvPicPr>
+          <p:cNvPr id="9" name="図 8" descr="グラフ, 散布図&#10;&#10;自動的に生成された説明">
+            <a:extLst>
+              <a:ext uri="{FF2B5EF4-FFF2-40B4-BE49-F238E27FC236}">
+                <a16:creationId xmlns:a16="http://schemas.microsoft.com/office/drawing/2014/main" id="{5D12E6F4-0C8D-8542-ACB3-3BF5BDEA54D0}"/>
+              </a:ext>
+            </a:extLst>
+          </p:cNvPr>
+          <p:cNvPicPr>
+            <a:picLocks noChangeAspect="1"/>
+          </p:cNvPicPr>
+          <p:nvPr/>
+        </p:nvPicPr>
+        <p:blipFill>
+          <a:blip r:embed="rId3"/>
+          <a:stretch>
+            <a:fillRect/>
+          </a:stretch>
+        </p:blipFill>
+        <p:spPr>
+          <a:xfrm>
+            <a:off x="5991667" y="2736499"/>
+            <a:ext cx="5258926" cy="3756376"/>
+          </a:xfrm>
+          <a:prstGeom prst="rect">
+            <a:avLst/>
+          </a:prstGeom>
+        </p:spPr>
+      </p:pic>
+    </p:spTree>
+    <p:extLst>
+      <p:ext uri="{BB962C8B-B14F-4D97-AF65-F5344CB8AC3E}">
+        <p14:creationId xmlns:p14="http://schemas.microsoft.com/office/powerpoint/2010/main" val="1226122311"/>
+      </p:ext>
+    </p:extLst>
+  </p:cSld>
+  <p:clrMapOvr>
+    <a:masterClrMapping/>
+  </p:clrMapOvr>
+</p:sld>
+</file>
+
+<file path=ppt/slides/slide11.xml><?xml version="1.0" encoding="utf-8"?>
+<p:sld xmlns:a="http://schemas.openxmlformats.org/drawingml/2006/main" xmlns:r="http://schemas.openxmlformats.org/officeDocument/2006/relationships" xmlns:p="http://schemas.openxmlformats.org/presentationml/2006/main">
+  <p:cSld>
+    <p:spTree>
+      <p:nvGrpSpPr>
+        <p:cNvPr id="1" name=""/>
+        <p:cNvGrpSpPr/>
+        <p:nvPr/>
+      </p:nvGrpSpPr>
+      <p:grpSpPr>
+        <a:xfrm>
+          <a:off x="0" y="0"/>
+          <a:ext cx="0" cy="0"/>
+          <a:chOff x="0" y="0"/>
+          <a:chExt cx="0" cy="0"/>
+        </a:xfrm>
+      </p:grpSpPr>
+      <p:sp>
+        <p:nvSpPr>
+          <p:cNvPr id="2" name="タイトル 1">
+            <a:extLst>
+              <a:ext uri="{FF2B5EF4-FFF2-40B4-BE49-F238E27FC236}">
+                <a16:creationId xmlns:a16="http://schemas.microsoft.com/office/drawing/2014/main" id="{04B2BBEB-1B6C-C546-B6B6-D0D2D5641F45}"/>
+              </a:ext>
+            </a:extLst>
+          </p:cNvPr>
+          <p:cNvSpPr>
+            <a:spLocks noGrp="1"/>
+          </p:cNvSpPr>
+          <p:nvPr>
+            <p:ph type="title"/>
+          </p:nvPr>
+        </p:nvSpPr>
+        <p:spPr/>
+        <p:txBody>
+          <a:bodyPr/>
+          <a:lstStyle/>
+          <a:p>
+            <a:r>
+              <a:rPr lang="ja-JP" altLang="en-US"/>
+              <a:t>パラメータチューニング結果</a:t>
+            </a:r>
+            <a:endParaRPr kumimoji="1" lang="ja-JP" altLang="en-US"/>
+          </a:p>
+        </p:txBody>
+      </p:sp>
+      <p:sp>
+        <p:nvSpPr>
+          <p:cNvPr id="3" name="正方形/長方形 2">
+            <a:extLst>
+              <a:ext uri="{FF2B5EF4-FFF2-40B4-BE49-F238E27FC236}">
+                <a16:creationId xmlns:a16="http://schemas.microsoft.com/office/drawing/2014/main" id="{A9DF67A8-6D24-4D4B-A2B0-D4C983614CA0}"/>
+              </a:ext>
+            </a:extLst>
+          </p:cNvPr>
+          <p:cNvSpPr/>
+          <p:nvPr/>
+        </p:nvSpPr>
+        <p:spPr>
+          <a:xfrm>
+            <a:off x="30479" y="1690688"/>
+            <a:ext cx="12131041" cy="4247317"/>
+          </a:xfrm>
+          <a:prstGeom prst="rect">
+            <a:avLst/>
+          </a:prstGeom>
+        </p:spPr>
+        <p:txBody>
+          <a:bodyPr wrap="square">
+            <a:spAutoFit/>
+          </a:bodyPr>
+          <a:lstStyle/>
+          <a:p>
+            <a:r>
+              <a:rPr lang="en" altLang="ja-JP" dirty="0"/>
+              <a:t>--------------best parameter------------------</a:t>
+            </a:r>
+          </a:p>
+          <a:p>
+            <a:endParaRPr lang="en" altLang="ja-JP" dirty="0"/>
+          </a:p>
+          <a:p>
+            <a:r>
+              <a:rPr lang="en" altLang="ja-JP" dirty="0"/>
+              <a:t>rf_best_param_v1: {'</a:t>
+            </a:r>
+            <a:r>
+              <a:rPr lang="en" altLang="ja-JP" dirty="0" err="1"/>
+              <a:t>max_depth</a:t>
+            </a:r>
+            <a:r>
+              <a:rPr lang="en" altLang="ja-JP" dirty="0"/>
+              <a:t>': 6, '</a:t>
+            </a:r>
+            <a:r>
+              <a:rPr lang="en" altLang="ja-JP" dirty="0" err="1"/>
+              <a:t>min_samples_leaf</a:t>
+            </a:r>
+            <a:r>
+              <a:rPr lang="en" altLang="ja-JP" dirty="0"/>
+              <a:t>': 3, '</a:t>
+            </a:r>
+            <a:r>
+              <a:rPr lang="en" altLang="ja-JP" dirty="0" err="1"/>
+              <a:t>max_features</a:t>
+            </a:r>
+            <a:r>
+              <a:rPr lang="en" altLang="ja-JP" dirty="0"/>
+              <a:t>': 19}</a:t>
+            </a:r>
+          </a:p>
+          <a:p>
+            <a:r>
+              <a:rPr lang="en" altLang="ja-JP" dirty="0"/>
+              <a:t>xgb_best_param_v1: {'</a:t>
+            </a:r>
+            <a:r>
+              <a:rPr lang="en" altLang="ja-JP" dirty="0" err="1"/>
+              <a:t>max_depth</a:t>
+            </a:r>
+            <a:r>
+              <a:rPr lang="en" altLang="ja-JP" dirty="0"/>
+              <a:t>': 3, '</a:t>
+            </a:r>
+            <a:r>
+              <a:rPr lang="en" altLang="ja-JP" dirty="0" err="1"/>
+              <a:t>learning_rate</a:t>
+            </a:r>
+            <a:r>
+              <a:rPr lang="en" altLang="ja-JP" dirty="0"/>
+              <a:t>': 0.012358988818994734, 'subsample': 0.12264519041663569, 'gamma': 0.29696885408243673, '</a:t>
+            </a:r>
+            <a:r>
+              <a:rPr lang="en" altLang="ja-JP" dirty="0" err="1"/>
+              <a:t>n_estimators</a:t>
+            </a:r>
+            <a:r>
+              <a:rPr lang="en" altLang="ja-JP" dirty="0"/>
+              <a:t>': 6161}</a:t>
+            </a:r>
+          </a:p>
+          <a:p>
+            <a:r>
+              <a:rPr lang="en" altLang="ja-JP" dirty="0"/>
+              <a:t>lgbm_best_param_v1: {'</a:t>
+            </a:r>
+            <a:r>
+              <a:rPr lang="en" altLang="ja-JP" dirty="0" err="1"/>
+              <a:t>max_depth</a:t>
+            </a:r>
+            <a:r>
+              <a:rPr lang="en" altLang="ja-JP" dirty="0"/>
+              <a:t>': 3, '</a:t>
+            </a:r>
+            <a:r>
+              <a:rPr lang="en" altLang="ja-JP" dirty="0" err="1"/>
+              <a:t>num_leaves</a:t>
+            </a:r>
+            <a:r>
+              <a:rPr lang="en" altLang="ja-JP" dirty="0"/>
+              <a:t>': 42, '</a:t>
+            </a:r>
+            <a:r>
+              <a:rPr lang="en" altLang="ja-JP" dirty="0" err="1"/>
+              <a:t>learning_rate</a:t>
+            </a:r>
+            <a:r>
+              <a:rPr lang="en" altLang="ja-JP" dirty="0"/>
+              <a:t>': 0.029046530440005318, '</a:t>
+            </a:r>
+            <a:r>
+              <a:rPr lang="en" altLang="ja-JP" dirty="0" err="1"/>
+              <a:t>n_estimators</a:t>
+            </a:r>
+            <a:r>
+              <a:rPr lang="en" altLang="ja-JP" dirty="0"/>
+              <a:t>': 2593, '</a:t>
+            </a:r>
+            <a:r>
+              <a:rPr lang="en" altLang="ja-JP" dirty="0" err="1"/>
+              <a:t>colsample_bytree</a:t>
+            </a:r>
+            <a:r>
+              <a:rPr lang="en" altLang="ja-JP" dirty="0"/>
+              <a:t>': 0.4932585274242707}</a:t>
+            </a:r>
+          </a:p>
+          <a:p>
+            <a:r>
+              <a:rPr lang="en" altLang="ja-JP" dirty="0"/>
+              <a:t>svm_best_param_v1: {'C': 0.014079509821895432, 'gamma': 0.00011242685178549635, 'kernel': 'linear'}</a:t>
+            </a:r>
+          </a:p>
+          <a:p>
+            <a:endParaRPr lang="en" altLang="ja-JP" dirty="0"/>
+          </a:p>
+          <a:p>
+            <a:r>
+              <a:rPr lang="en" altLang="ja-JP" dirty="0"/>
+              <a:t>--------------Predict test data using best parameter------------------</a:t>
+            </a:r>
+          </a:p>
+          <a:p>
+            <a:endParaRPr lang="en" altLang="ja-JP" dirty="0"/>
+          </a:p>
+          <a:p>
+            <a:r>
+              <a:rPr lang="en" altLang="ja-JP" dirty="0"/>
+              <a:t>rf: 0.4666666666666666</a:t>
+            </a:r>
+          </a:p>
+          <a:p>
+            <a:r>
+              <a:rPr lang="en" altLang="ja-JP" dirty="0" err="1"/>
+              <a:t>xgb</a:t>
+            </a:r>
+            <a:r>
+              <a:rPr lang="en" altLang="ja-JP" dirty="0"/>
+              <a:t>: 0.606060606060606</a:t>
+            </a:r>
+          </a:p>
+          <a:p>
+            <a:r>
+              <a:rPr lang="en" altLang="ja-JP" dirty="0" err="1"/>
+              <a:t>lgbm</a:t>
+            </a:r>
+            <a:r>
+              <a:rPr lang="en" altLang="ja-JP" dirty="0"/>
+              <a:t>: 0.6285714285714287</a:t>
+            </a:r>
+          </a:p>
+          <a:p>
+            <a:r>
+              <a:rPr lang="en" altLang="ja-JP" dirty="0" err="1"/>
+              <a:t>svm</a:t>
+            </a:r>
+            <a:r>
+              <a:rPr lang="en" altLang="ja-JP" dirty="0"/>
+              <a:t>: 0.5806451612903226</a:t>
+            </a:r>
+            <a:endParaRPr lang="ja-JP" altLang="en-US"/>
+          </a:p>
+        </p:txBody>
+      </p:sp>
+    </p:spTree>
+    <p:extLst>
+      <p:ext uri="{BB962C8B-B14F-4D97-AF65-F5344CB8AC3E}">
+        <p14:creationId xmlns:p14="http://schemas.microsoft.com/office/powerpoint/2010/main" val="2783241758"/>
+      </p:ext>
+    </p:extLst>
+  </p:cSld>
+  <p:clrMapOvr>
+    <a:masterClrMapping/>
+  </p:clrMapOvr>
+</p:sld>
+</file>
+
+<file path=ppt/slides/slide2.xml><?xml version="1.0" encoding="utf-8"?>
+<p:sld xmlns:a="http://schemas.openxmlformats.org/drawingml/2006/main" xmlns:r="http://schemas.openxmlformats.org/officeDocument/2006/relationships" xmlns:p="http://schemas.openxmlformats.org/presentationml/2006/main">
+  <p:cSld>
+    <p:spTree>
+      <p:nvGrpSpPr>
+        <p:cNvPr id="1" name=""/>
+        <p:cNvGrpSpPr/>
+        <p:nvPr/>
+      </p:nvGrpSpPr>
+      <p:grpSpPr>
+        <a:xfrm>
+          <a:off x="0" y="0"/>
+          <a:ext cx="0" cy="0"/>
+          <a:chOff x="0" y="0"/>
+          <a:chExt cx="0" cy="0"/>
+        </a:xfrm>
+      </p:grpSpPr>
+      <p:sp>
+        <p:nvSpPr>
+          <p:cNvPr id="2" name="タイトル 1">
+            <a:extLst>
+              <a:ext uri="{FF2B5EF4-FFF2-40B4-BE49-F238E27FC236}">
+                <a16:creationId xmlns:a16="http://schemas.microsoft.com/office/drawing/2014/main" id="{726AE84A-DE91-0349-B8AC-4FCDC75FA719}"/>
+              </a:ext>
+            </a:extLst>
+          </p:cNvPr>
+          <p:cNvSpPr>
+            <a:spLocks noGrp="1"/>
+          </p:cNvSpPr>
+          <p:nvPr>
+            <p:ph type="title"/>
+          </p:nvPr>
+        </p:nvSpPr>
+        <p:spPr>
+          <a:xfrm>
+            <a:off x="838200" y="2766218"/>
+            <a:ext cx="10515600" cy="1325563"/>
+          </a:xfrm>
+        </p:spPr>
+        <p:txBody>
+          <a:bodyPr/>
+          <a:lstStyle/>
+          <a:p>
+            <a:r>
+              <a:rPr lang="ja-JP" altLang="en-US"/>
+              <a:t>データ差替えに伴う</a:t>
+            </a:r>
+            <a:br>
+              <a:rPr lang="en-US" altLang="ja-JP" dirty="0"/>
+            </a:br>
+            <a:r>
+              <a:rPr lang="ja-JP" altLang="en-US"/>
+              <a:t>パラメータチューニング</a:t>
+            </a:r>
+            <a:endParaRPr kumimoji="1" lang="ja-JP" altLang="en-US"/>
+          </a:p>
+        </p:txBody>
+      </p:sp>
+    </p:spTree>
+    <p:extLst>
+      <p:ext uri="{BB962C8B-B14F-4D97-AF65-F5344CB8AC3E}">
+        <p14:creationId xmlns:p14="http://schemas.microsoft.com/office/powerpoint/2010/main" val="2510127081"/>
+      </p:ext>
+    </p:extLst>
+  </p:cSld>
+  <p:clrMapOvr>
+    <a:masterClrMapping/>
+  </p:clrMapOvr>
+</p:sld>
+</file>
+
+<file path=ppt/slides/slide3.xml><?xml version="1.0" encoding="utf-8"?>
+<p:sld xmlns:a="http://schemas.openxmlformats.org/drawingml/2006/main" xmlns:r="http://schemas.openxmlformats.org/officeDocument/2006/relationships" xmlns:p="http://schemas.openxmlformats.org/presentationml/2006/main">
+  <p:cSld>
+    <p:spTree>
+      <p:nvGrpSpPr>
+        <p:cNvPr id="1" name=""/>
+        <p:cNvGrpSpPr/>
+        <p:nvPr/>
+      </p:nvGrpSpPr>
+      <p:grpSpPr>
+        <a:xfrm>
+          <a:off x="0" y="0"/>
+          <a:ext cx="0" cy="0"/>
+          <a:chOff x="0" y="0"/>
+          <a:chExt cx="0" cy="0"/>
+        </a:xfrm>
+      </p:grpSpPr>
+      <p:sp>
+        <p:nvSpPr>
+          <p:cNvPr id="2" name="タイトル 1">
+            <a:extLst>
+              <a:ext uri="{FF2B5EF4-FFF2-40B4-BE49-F238E27FC236}">
+                <a16:creationId xmlns:a16="http://schemas.microsoft.com/office/drawing/2014/main" id="{F9882587-37F1-774E-9D59-080B49D6052D}"/>
+              </a:ext>
+            </a:extLst>
+          </p:cNvPr>
+          <p:cNvSpPr>
+            <a:spLocks noGrp="1"/>
+          </p:cNvSpPr>
+          <p:nvPr>
+            <p:ph type="title"/>
+          </p:nvPr>
+        </p:nvSpPr>
+        <p:spPr/>
+        <p:txBody>
+          <a:bodyPr/>
+          <a:lstStyle/>
+          <a:p>
+            <a:r>
+              <a:rPr kumimoji="1" lang="en-US" altLang="ja-JP" dirty="0" err="1"/>
+              <a:t>Optuna</a:t>
+            </a:r>
+            <a:r>
+              <a:rPr kumimoji="1" lang="ja-JP" altLang="en-US"/>
+              <a:t>によるパラメータチューニング</a:t>
+            </a:r>
+          </a:p>
+        </p:txBody>
+      </p:sp>
+      <p:sp>
+        <p:nvSpPr>
+          <p:cNvPr id="7" name="テキスト ボックス 6">
+            <a:extLst>
+              <a:ext uri="{FF2B5EF4-FFF2-40B4-BE49-F238E27FC236}">
+                <a16:creationId xmlns:a16="http://schemas.microsoft.com/office/drawing/2014/main" id="{6459B742-0AA7-5C4D-97A0-4042C9C852BD}"/>
+              </a:ext>
+            </a:extLst>
+          </p:cNvPr>
+          <p:cNvSpPr txBox="1"/>
+          <p:nvPr/>
+        </p:nvSpPr>
+        <p:spPr>
+          <a:xfrm>
+            <a:off x="761963" y="1635598"/>
+            <a:ext cx="2353529" cy="461665"/>
+          </a:xfrm>
+          <a:prstGeom prst="rect">
+            <a:avLst/>
+          </a:prstGeom>
+          <a:noFill/>
+        </p:spPr>
+        <p:txBody>
+          <a:bodyPr wrap="none" rtlCol="0">
+            <a:spAutoFit/>
+          </a:bodyPr>
+          <a:lstStyle/>
+          <a:p>
+            <a:r>
+              <a:rPr kumimoji="1" lang="en-US" altLang="ja-JP" sz="2400" dirty="0"/>
+              <a:t>Random Forest</a:t>
+            </a:r>
+            <a:endParaRPr kumimoji="1" lang="ja-JP" altLang="en-US" sz="2400"/>
+          </a:p>
+        </p:txBody>
+      </p:sp>
+      <p:pic>
+        <p:nvPicPr>
+          <p:cNvPr id="5" name="図 4" descr="グラフ, 散布図&#10;&#10;自動的に生成された説明">
+            <a:extLst>
+              <a:ext uri="{FF2B5EF4-FFF2-40B4-BE49-F238E27FC236}">
+                <a16:creationId xmlns:a16="http://schemas.microsoft.com/office/drawing/2014/main" id="{8AD9C0F6-3A05-E140-BC52-010F985A4312}"/>
+              </a:ext>
+            </a:extLst>
+          </p:cNvPr>
+          <p:cNvPicPr>
+            <a:picLocks noChangeAspect="1"/>
+          </p:cNvPicPr>
+          <p:nvPr/>
+        </p:nvPicPr>
+        <p:blipFill>
+          <a:blip r:embed="rId2"/>
+          <a:stretch>
+            <a:fillRect/>
+          </a:stretch>
+        </p:blipFill>
+        <p:spPr>
+          <a:xfrm>
+            <a:off x="424243" y="2180400"/>
+            <a:ext cx="5671757" cy="4051256"/>
+          </a:xfrm>
+          <a:prstGeom prst="rect">
+            <a:avLst/>
+          </a:prstGeom>
+        </p:spPr>
+      </p:pic>
+      <p:pic>
+        <p:nvPicPr>
+          <p:cNvPr id="9" name="図 8" descr="グラフ, 棒グラフ&#10;&#10;自動的に生成された説明">
+            <a:extLst>
+              <a:ext uri="{FF2B5EF4-FFF2-40B4-BE49-F238E27FC236}">
+                <a16:creationId xmlns:a16="http://schemas.microsoft.com/office/drawing/2014/main" id="{D6EF5208-BC60-DD4D-BD3A-89D709F276F0}"/>
+              </a:ext>
+            </a:extLst>
+          </p:cNvPr>
+          <p:cNvPicPr>
+            <a:picLocks noChangeAspect="1"/>
+          </p:cNvPicPr>
+          <p:nvPr/>
+        </p:nvPicPr>
+        <p:blipFill>
+          <a:blip r:embed="rId3"/>
+          <a:stretch>
+            <a:fillRect/>
+          </a:stretch>
+        </p:blipFill>
+        <p:spPr>
+          <a:xfrm>
+            <a:off x="6345823" y="2828150"/>
+            <a:ext cx="4764909" cy="3403506"/>
+          </a:xfrm>
+          <a:prstGeom prst="rect">
+            <a:avLst/>
+          </a:prstGeom>
+        </p:spPr>
+      </p:pic>
+    </p:spTree>
+    <p:extLst>
+      <p:ext uri="{BB962C8B-B14F-4D97-AF65-F5344CB8AC3E}">
+        <p14:creationId xmlns:p14="http://schemas.microsoft.com/office/powerpoint/2010/main" val="158279559"/>
+      </p:ext>
+    </p:extLst>
+  </p:cSld>
+  <p:clrMapOvr>
+    <a:masterClrMapping/>
+  </p:clrMapOvr>
+</p:sld>
+</file>
+
+<file path=ppt/slides/slide4.xml><?xml version="1.0" encoding="utf-8"?>
+<p:sld xmlns:a="http://schemas.openxmlformats.org/drawingml/2006/main" xmlns:r="http://schemas.openxmlformats.org/officeDocument/2006/relationships" xmlns:p="http://schemas.openxmlformats.org/presentationml/2006/main">
+  <p:cSld>
+    <p:spTree>
+      <p:nvGrpSpPr>
+        <p:cNvPr id="1" name=""/>
+        <p:cNvGrpSpPr/>
+        <p:nvPr/>
+      </p:nvGrpSpPr>
+      <p:grpSpPr>
+        <a:xfrm>
+          <a:off x="0" y="0"/>
+          <a:ext cx="0" cy="0"/>
+          <a:chOff x="0" y="0"/>
+          <a:chExt cx="0" cy="0"/>
+        </a:xfrm>
+      </p:grpSpPr>
+      <p:sp>
+        <p:nvSpPr>
+          <p:cNvPr id="2" name="タイトル 1">
+            <a:extLst>
+              <a:ext uri="{FF2B5EF4-FFF2-40B4-BE49-F238E27FC236}">
+                <a16:creationId xmlns:a16="http://schemas.microsoft.com/office/drawing/2014/main" id="{6A09765D-D973-D148-AB22-A7A5F2C072E7}"/>
+              </a:ext>
+            </a:extLst>
+          </p:cNvPr>
+          <p:cNvSpPr>
+            <a:spLocks noGrp="1"/>
+          </p:cNvSpPr>
+          <p:nvPr>
+            <p:ph type="title"/>
+          </p:nvPr>
+        </p:nvSpPr>
+        <p:spPr/>
+        <p:txBody>
+          <a:bodyPr/>
+          <a:lstStyle/>
+          <a:p>
+            <a:r>
+              <a:rPr lang="en-US" altLang="ja-JP" dirty="0" err="1"/>
+              <a:t>Optuna</a:t>
+            </a:r>
+            <a:r>
+              <a:rPr lang="ja-JP" altLang="en-US"/>
+              <a:t>によるパラメータチューニング</a:t>
+            </a:r>
+            <a:endParaRPr kumimoji="1" lang="ja-JP" altLang="en-US"/>
+          </a:p>
+        </p:txBody>
+      </p:sp>
+      <p:sp>
+        <p:nvSpPr>
+          <p:cNvPr id="7" name="テキスト ボックス 6">
+            <a:extLst>
+              <a:ext uri="{FF2B5EF4-FFF2-40B4-BE49-F238E27FC236}">
+                <a16:creationId xmlns:a16="http://schemas.microsoft.com/office/drawing/2014/main" id="{51011442-9687-6C4E-B727-BC5E7A6A886F}"/>
+              </a:ext>
+            </a:extLst>
+          </p:cNvPr>
+          <p:cNvSpPr txBox="1"/>
+          <p:nvPr/>
+        </p:nvSpPr>
+        <p:spPr>
+          <a:xfrm>
+            <a:off x="761963" y="1635598"/>
+            <a:ext cx="2353529" cy="461665"/>
+          </a:xfrm>
+          <a:prstGeom prst="rect">
+            <a:avLst/>
+          </a:prstGeom>
+          <a:noFill/>
+        </p:spPr>
+        <p:txBody>
+          <a:bodyPr wrap="none" rtlCol="0">
+            <a:spAutoFit/>
+          </a:bodyPr>
+          <a:lstStyle/>
+          <a:p>
+            <a:r>
+              <a:rPr kumimoji="1" lang="en-US" altLang="ja-JP" sz="2400" dirty="0"/>
+              <a:t>Random Forest</a:t>
+            </a:r>
+            <a:endParaRPr kumimoji="1" lang="ja-JP" altLang="en-US" sz="2400"/>
+          </a:p>
+        </p:txBody>
+      </p:sp>
+      <p:pic>
+        <p:nvPicPr>
+          <p:cNvPr id="5" name="図 4" descr="カレンダー が含まれている画像&#10;&#10;自動的に生成された説明">
+            <a:extLst>
+              <a:ext uri="{FF2B5EF4-FFF2-40B4-BE49-F238E27FC236}">
+                <a16:creationId xmlns:a16="http://schemas.microsoft.com/office/drawing/2014/main" id="{5116C0FE-A0CA-0547-B8C2-03E490C568B0}"/>
+              </a:ext>
+            </a:extLst>
+          </p:cNvPr>
+          <p:cNvPicPr>
+            <a:picLocks noChangeAspect="1"/>
+          </p:cNvPicPr>
+          <p:nvPr/>
+        </p:nvPicPr>
+        <p:blipFill>
+          <a:blip r:embed="rId2"/>
+          <a:stretch>
+            <a:fillRect/>
+          </a:stretch>
+        </p:blipFill>
+        <p:spPr>
+          <a:xfrm>
+            <a:off x="5933955" y="2459306"/>
+            <a:ext cx="5316583" cy="3797559"/>
+          </a:xfrm>
+          <a:prstGeom prst="rect">
+            <a:avLst/>
+          </a:prstGeom>
+        </p:spPr>
+      </p:pic>
+      <p:pic>
+        <p:nvPicPr>
+          <p:cNvPr id="9" name="図 8" descr="グラフ, ダイアグラム&#10;&#10;自動的に生成された説明">
+            <a:extLst>
+              <a:ext uri="{FF2B5EF4-FFF2-40B4-BE49-F238E27FC236}">
+                <a16:creationId xmlns:a16="http://schemas.microsoft.com/office/drawing/2014/main" id="{C1ADBC0B-2347-BB45-9E28-3D98914DD93E}"/>
+              </a:ext>
+            </a:extLst>
+          </p:cNvPr>
+          <p:cNvPicPr>
+            <a:picLocks noChangeAspect="1"/>
+          </p:cNvPicPr>
+          <p:nvPr/>
+        </p:nvPicPr>
+        <p:blipFill>
+          <a:blip r:embed="rId3"/>
+          <a:stretch>
+            <a:fillRect/>
+          </a:stretch>
+        </p:blipFill>
+        <p:spPr>
+          <a:xfrm>
+            <a:off x="287941" y="2550251"/>
+            <a:ext cx="5047988" cy="3605706"/>
+          </a:xfrm>
+          <a:prstGeom prst="rect">
+            <a:avLst/>
+          </a:prstGeom>
+        </p:spPr>
+      </p:pic>
+    </p:spTree>
+    <p:extLst>
+      <p:ext uri="{BB962C8B-B14F-4D97-AF65-F5344CB8AC3E}">
+        <p14:creationId xmlns:p14="http://schemas.microsoft.com/office/powerpoint/2010/main" val="337322660"/>
+      </p:ext>
+    </p:extLst>
+  </p:cSld>
+  <p:clrMapOvr>
+    <a:masterClrMapping/>
+  </p:clrMapOvr>
+</p:sld>
+</file>
+
+<file path=ppt/slides/slide5.xml><?xml version="1.0" encoding="utf-8"?>
+<p:sld xmlns:a="http://schemas.openxmlformats.org/drawingml/2006/main" xmlns:r="http://schemas.openxmlformats.org/officeDocument/2006/relationships" xmlns:p="http://schemas.openxmlformats.org/presentationml/2006/main">
+  <p:cSld>
+    <p:spTree>
+      <p:nvGrpSpPr>
+        <p:cNvPr id="1" name=""/>
+        <p:cNvGrpSpPr/>
+        <p:nvPr/>
+      </p:nvGrpSpPr>
+      <p:grpSpPr>
+        <a:xfrm>
+          <a:off x="0" y="0"/>
+          <a:ext cx="0" cy="0"/>
+          <a:chOff x="0" y="0"/>
+          <a:chExt cx="0" cy="0"/>
+        </a:xfrm>
+      </p:grpSpPr>
+      <p:sp>
+        <p:nvSpPr>
+          <p:cNvPr id="2" name="タイトル 1">
+            <a:extLst>
+              <a:ext uri="{FF2B5EF4-FFF2-40B4-BE49-F238E27FC236}">
+                <a16:creationId xmlns:a16="http://schemas.microsoft.com/office/drawing/2014/main" id="{F9882587-37F1-774E-9D59-080B49D6052D}"/>
+              </a:ext>
+            </a:extLst>
+          </p:cNvPr>
+          <p:cNvSpPr>
+            <a:spLocks noGrp="1"/>
+          </p:cNvSpPr>
+          <p:nvPr>
+            <p:ph type="title"/>
+          </p:nvPr>
+        </p:nvSpPr>
+        <p:spPr/>
+        <p:txBody>
+          <a:bodyPr/>
+          <a:lstStyle/>
+          <a:p>
+            <a:r>
+              <a:rPr kumimoji="1" lang="en-US" altLang="ja-JP" dirty="0" err="1"/>
+              <a:t>Optuna</a:t>
+            </a:r>
+            <a:r>
+              <a:rPr kumimoji="1" lang="ja-JP" altLang="en-US"/>
+              <a:t>によるパラメータチューニング</a:t>
+            </a:r>
+          </a:p>
+        </p:txBody>
+      </p:sp>
+      <p:sp>
+        <p:nvSpPr>
+          <p:cNvPr id="7" name="テキスト ボックス 6">
+            <a:extLst>
+              <a:ext uri="{FF2B5EF4-FFF2-40B4-BE49-F238E27FC236}">
+                <a16:creationId xmlns:a16="http://schemas.microsoft.com/office/drawing/2014/main" id="{6459B742-0AA7-5C4D-97A0-4042C9C852BD}"/>
+              </a:ext>
+            </a:extLst>
+          </p:cNvPr>
+          <p:cNvSpPr txBox="1"/>
+          <p:nvPr/>
+        </p:nvSpPr>
+        <p:spPr>
+          <a:xfrm>
+            <a:off x="761963" y="1635598"/>
+            <a:ext cx="1342034" cy="461665"/>
+          </a:xfrm>
+          <a:prstGeom prst="rect">
+            <a:avLst/>
+          </a:prstGeom>
+          <a:noFill/>
+        </p:spPr>
+        <p:txBody>
+          <a:bodyPr wrap="none" rtlCol="0">
+            <a:spAutoFit/>
+          </a:bodyPr>
+          <a:lstStyle/>
+          <a:p>
+            <a:r>
+              <a:rPr kumimoji="1" lang="en-US" altLang="ja-JP" sz="2400" dirty="0" err="1"/>
+              <a:t>Xgboost</a:t>
+            </a:r>
+            <a:endParaRPr kumimoji="1" lang="ja-JP" altLang="en-US" sz="2400"/>
+          </a:p>
+        </p:txBody>
+      </p:sp>
+      <p:pic>
+        <p:nvPicPr>
+          <p:cNvPr id="4" name="図 3" descr="グラフ, 散布図&#10;&#10;自動的に生成された説明">
+            <a:extLst>
+              <a:ext uri="{FF2B5EF4-FFF2-40B4-BE49-F238E27FC236}">
+                <a16:creationId xmlns:a16="http://schemas.microsoft.com/office/drawing/2014/main" id="{D01B3F08-F0D0-2249-A6C3-C5EFAB4032DF}"/>
+              </a:ext>
+            </a:extLst>
+          </p:cNvPr>
+          <p:cNvPicPr>
+            <a:picLocks noChangeAspect="1"/>
+          </p:cNvPicPr>
+          <p:nvPr/>
+        </p:nvPicPr>
+        <p:blipFill>
+          <a:blip r:embed="rId2"/>
+          <a:stretch>
+            <a:fillRect/>
+          </a:stretch>
+        </p:blipFill>
+        <p:spPr>
+          <a:xfrm>
+            <a:off x="215240" y="2374385"/>
+            <a:ext cx="5398481" cy="3856057"/>
+          </a:xfrm>
+          <a:prstGeom prst="rect">
+            <a:avLst/>
+          </a:prstGeom>
+        </p:spPr>
+      </p:pic>
+      <p:pic>
+        <p:nvPicPr>
+          <p:cNvPr id="8" name="図 7" descr="グラフ, 棒グラフ&#10;&#10;自動的に生成された説明">
+            <a:extLst>
+              <a:ext uri="{FF2B5EF4-FFF2-40B4-BE49-F238E27FC236}">
+                <a16:creationId xmlns:a16="http://schemas.microsoft.com/office/drawing/2014/main" id="{42816AAC-FD4B-7C47-A77D-899119E64A62}"/>
+              </a:ext>
+            </a:extLst>
+          </p:cNvPr>
+          <p:cNvPicPr>
+            <a:picLocks noChangeAspect="1"/>
+          </p:cNvPicPr>
+          <p:nvPr/>
+        </p:nvPicPr>
+        <p:blipFill>
+          <a:blip r:embed="rId3"/>
+          <a:stretch>
+            <a:fillRect/>
+          </a:stretch>
+        </p:blipFill>
+        <p:spPr>
+          <a:xfrm>
+            <a:off x="6419930" y="2490602"/>
+            <a:ext cx="5166328" cy="3690234"/>
+          </a:xfrm>
+          <a:prstGeom prst="rect">
+            <a:avLst/>
+          </a:prstGeom>
+        </p:spPr>
+      </p:pic>
+    </p:spTree>
+    <p:extLst>
+      <p:ext uri="{BB962C8B-B14F-4D97-AF65-F5344CB8AC3E}">
+        <p14:creationId xmlns:p14="http://schemas.microsoft.com/office/powerpoint/2010/main" val="391516524"/>
+      </p:ext>
+    </p:extLst>
+  </p:cSld>
+  <p:clrMapOvr>
+    <a:masterClrMapping/>
+  </p:clrMapOvr>
+</p:sld>
+</file>
+
+<file path=ppt/slides/slide6.xml><?xml version="1.0" encoding="utf-8"?>
+<p:sld xmlns:a="http://schemas.openxmlformats.org/drawingml/2006/main" xmlns:r="http://schemas.openxmlformats.org/officeDocument/2006/relationships" xmlns:p="http://schemas.openxmlformats.org/presentationml/2006/main">
+  <p:cSld>
+    <p:spTree>
+      <p:nvGrpSpPr>
+        <p:cNvPr id="1" name=""/>
+        <p:cNvGrpSpPr/>
+        <p:nvPr/>
+      </p:nvGrpSpPr>
+      <p:grpSpPr>
+        <a:xfrm>
+          <a:off x="0" y="0"/>
+          <a:ext cx="0" cy="0"/>
+          <a:chOff x="0" y="0"/>
+          <a:chExt cx="0" cy="0"/>
+        </a:xfrm>
+      </p:grpSpPr>
+      <p:sp>
+        <p:nvSpPr>
+          <p:cNvPr id="2" name="タイトル 1">
+            <a:extLst>
+              <a:ext uri="{FF2B5EF4-FFF2-40B4-BE49-F238E27FC236}">
+                <a16:creationId xmlns:a16="http://schemas.microsoft.com/office/drawing/2014/main" id="{6A09765D-D973-D148-AB22-A7A5F2C072E7}"/>
+              </a:ext>
+            </a:extLst>
+          </p:cNvPr>
+          <p:cNvSpPr>
+            <a:spLocks noGrp="1"/>
+          </p:cNvSpPr>
+          <p:nvPr>
+            <p:ph type="title"/>
+          </p:nvPr>
+        </p:nvSpPr>
+        <p:spPr/>
+        <p:txBody>
+          <a:bodyPr/>
+          <a:lstStyle/>
+          <a:p>
+            <a:r>
+              <a:rPr lang="en-US" altLang="ja-JP" dirty="0" err="1"/>
+              <a:t>Optuna</a:t>
+            </a:r>
+            <a:r>
+              <a:rPr lang="ja-JP" altLang="en-US"/>
+              <a:t>によるパラメータチューニング</a:t>
+            </a:r>
+            <a:endParaRPr kumimoji="1" lang="ja-JP" altLang="en-US"/>
+          </a:p>
+        </p:txBody>
+      </p:sp>
+      <p:sp>
+        <p:nvSpPr>
+          <p:cNvPr id="7" name="テキスト ボックス 6">
+            <a:extLst>
+              <a:ext uri="{FF2B5EF4-FFF2-40B4-BE49-F238E27FC236}">
+                <a16:creationId xmlns:a16="http://schemas.microsoft.com/office/drawing/2014/main" id="{51011442-9687-6C4E-B727-BC5E7A6A886F}"/>
+              </a:ext>
+            </a:extLst>
+          </p:cNvPr>
+          <p:cNvSpPr txBox="1"/>
+          <p:nvPr/>
+        </p:nvSpPr>
+        <p:spPr>
+          <a:xfrm>
+            <a:off x="761963" y="1635598"/>
+            <a:ext cx="1342034" cy="461665"/>
+          </a:xfrm>
+          <a:prstGeom prst="rect">
+            <a:avLst/>
+          </a:prstGeom>
+          <a:noFill/>
+        </p:spPr>
+        <p:txBody>
+          <a:bodyPr wrap="none" rtlCol="0">
+            <a:spAutoFit/>
+          </a:bodyPr>
+          <a:lstStyle/>
+          <a:p>
+            <a:r>
+              <a:rPr kumimoji="1" lang="en-US" altLang="ja-JP" sz="2400" dirty="0" err="1"/>
+              <a:t>Xgboost</a:t>
+            </a:r>
+            <a:endParaRPr kumimoji="1" lang="ja-JP" altLang="en-US" sz="2400"/>
+          </a:p>
+        </p:txBody>
+      </p:sp>
+      <p:pic>
+        <p:nvPicPr>
+          <p:cNvPr id="4" name="図 3" descr="ダイアグラム&#10;&#10;自動的に生成された説明">
+            <a:extLst>
+              <a:ext uri="{FF2B5EF4-FFF2-40B4-BE49-F238E27FC236}">
+                <a16:creationId xmlns:a16="http://schemas.microsoft.com/office/drawing/2014/main" id="{9C507EB3-ADD1-0E47-B39C-3C4BF19D528D}"/>
+              </a:ext>
+            </a:extLst>
+          </p:cNvPr>
+          <p:cNvPicPr>
+            <a:picLocks noChangeAspect="1"/>
+          </p:cNvPicPr>
+          <p:nvPr/>
+        </p:nvPicPr>
+        <p:blipFill>
+          <a:blip r:embed="rId2"/>
+          <a:stretch>
+            <a:fillRect/>
+          </a:stretch>
+        </p:blipFill>
+        <p:spPr>
+          <a:xfrm>
+            <a:off x="239092" y="2346475"/>
+            <a:ext cx="4849622" cy="3464016"/>
+          </a:xfrm>
+          <a:prstGeom prst="rect">
+            <a:avLst/>
+          </a:prstGeom>
+        </p:spPr>
+      </p:pic>
+      <p:pic>
+        <p:nvPicPr>
+          <p:cNvPr id="8" name="図 7" descr="カレンダー&#10;&#10;自動的に生成された説明">
+            <a:extLst>
+              <a:ext uri="{FF2B5EF4-FFF2-40B4-BE49-F238E27FC236}">
+                <a16:creationId xmlns:a16="http://schemas.microsoft.com/office/drawing/2014/main" id="{BE206D9E-F84B-3F45-B503-F2E2A3E66AE2}"/>
+              </a:ext>
+            </a:extLst>
+          </p:cNvPr>
+          <p:cNvPicPr>
+            <a:picLocks noChangeAspect="1"/>
+          </p:cNvPicPr>
+          <p:nvPr/>
+        </p:nvPicPr>
+        <p:blipFill rotWithShape="1">
+          <a:blip r:embed="rId3"/>
+          <a:srcRect r="43155"/>
+          <a:stretch/>
+        </p:blipFill>
+        <p:spPr>
+          <a:xfrm>
+            <a:off x="5313639" y="1320651"/>
+            <a:ext cx="5414541" cy="3175000"/>
+          </a:xfrm>
+          <a:prstGeom prst="rect">
+            <a:avLst/>
+          </a:prstGeom>
+        </p:spPr>
+      </p:pic>
+      <p:pic>
+        <p:nvPicPr>
+          <p:cNvPr id="11" name="図 10" descr="カレンダー&#10;&#10;自動的に生成された説明">
+            <a:extLst>
+              <a:ext uri="{FF2B5EF4-FFF2-40B4-BE49-F238E27FC236}">
+                <a16:creationId xmlns:a16="http://schemas.microsoft.com/office/drawing/2014/main" id="{168A9E0E-964A-124F-B8D4-69FE3E3983E7}"/>
+              </a:ext>
+            </a:extLst>
+          </p:cNvPr>
+          <p:cNvPicPr>
+            <a:picLocks noChangeAspect="1"/>
+          </p:cNvPicPr>
+          <p:nvPr/>
+        </p:nvPicPr>
+        <p:blipFill rotWithShape="1">
+          <a:blip r:embed="rId3"/>
+          <a:srcRect l="56660" t="17063" b="5285"/>
+          <a:stretch/>
+        </p:blipFill>
+        <p:spPr>
+          <a:xfrm>
+            <a:off x="5556707" y="4304644"/>
+            <a:ext cx="4128132" cy="2465409"/>
+          </a:xfrm>
+          <a:prstGeom prst="rect">
+            <a:avLst/>
+          </a:prstGeom>
+        </p:spPr>
+      </p:pic>
+    </p:spTree>
+    <p:extLst>
+      <p:ext uri="{BB962C8B-B14F-4D97-AF65-F5344CB8AC3E}">
+        <p14:creationId xmlns:p14="http://schemas.microsoft.com/office/powerpoint/2010/main" val="3151640145"/>
+      </p:ext>
+    </p:extLst>
+  </p:cSld>
+  <p:clrMapOvr>
+    <a:masterClrMapping/>
+  </p:clrMapOvr>
+</p:sld>
+</file>
+
+<file path=ppt/slides/slide7.xml><?xml version="1.0" encoding="utf-8"?>
+<p:sld xmlns:a="http://schemas.openxmlformats.org/drawingml/2006/main" xmlns:r="http://schemas.openxmlformats.org/officeDocument/2006/relationships" xmlns:p="http://schemas.openxmlformats.org/presentationml/2006/main">
+  <p:cSld>
+    <p:spTree>
+      <p:nvGrpSpPr>
+        <p:cNvPr id="1" name=""/>
+        <p:cNvGrpSpPr/>
+        <p:nvPr/>
+      </p:nvGrpSpPr>
+      <p:grpSpPr>
+        <a:xfrm>
+          <a:off x="0" y="0"/>
+          <a:ext cx="0" cy="0"/>
+          <a:chOff x="0" y="0"/>
+          <a:chExt cx="0" cy="0"/>
+        </a:xfrm>
+      </p:grpSpPr>
+      <p:sp>
+        <p:nvSpPr>
+          <p:cNvPr id="2" name="タイトル 1">
+            <a:extLst>
+              <a:ext uri="{FF2B5EF4-FFF2-40B4-BE49-F238E27FC236}">
+                <a16:creationId xmlns:a16="http://schemas.microsoft.com/office/drawing/2014/main" id="{F9882587-37F1-774E-9D59-080B49D6052D}"/>
+              </a:ext>
+            </a:extLst>
+          </p:cNvPr>
+          <p:cNvSpPr>
+            <a:spLocks noGrp="1"/>
+          </p:cNvSpPr>
+          <p:nvPr>
+            <p:ph type="title"/>
+          </p:nvPr>
+        </p:nvSpPr>
+        <p:spPr/>
+        <p:txBody>
+          <a:bodyPr/>
+          <a:lstStyle/>
+          <a:p>
+            <a:r>
+              <a:rPr kumimoji="1" lang="en-US" altLang="ja-JP" dirty="0" err="1"/>
+              <a:t>Optuna</a:t>
+            </a:r>
+            <a:r>
+              <a:rPr kumimoji="1" lang="ja-JP" altLang="en-US"/>
+              <a:t>によるパラメータチューニング</a:t>
+            </a:r>
+          </a:p>
+        </p:txBody>
+      </p:sp>
+      <p:sp>
+        <p:nvSpPr>
+          <p:cNvPr id="7" name="テキスト ボックス 6">
+            <a:extLst>
+              <a:ext uri="{FF2B5EF4-FFF2-40B4-BE49-F238E27FC236}">
+                <a16:creationId xmlns:a16="http://schemas.microsoft.com/office/drawing/2014/main" id="{6459B742-0AA7-5C4D-97A0-4042C9C852BD}"/>
+              </a:ext>
+            </a:extLst>
+          </p:cNvPr>
+          <p:cNvSpPr txBox="1"/>
+          <p:nvPr/>
+        </p:nvSpPr>
+        <p:spPr>
+          <a:xfrm>
+            <a:off x="761963" y="1635598"/>
+            <a:ext cx="1617751" cy="461665"/>
+          </a:xfrm>
+          <a:prstGeom prst="rect">
+            <a:avLst/>
+          </a:prstGeom>
+          <a:noFill/>
+        </p:spPr>
+        <p:txBody>
+          <a:bodyPr wrap="none" rtlCol="0">
+            <a:spAutoFit/>
+          </a:bodyPr>
+          <a:lstStyle/>
+          <a:p>
+            <a:r>
+              <a:rPr lang="en-US" altLang="ja-JP" sz="2400" dirty="0" err="1"/>
+              <a:t>LightGBM</a:t>
+            </a:r>
+            <a:endParaRPr lang="ja-JP" altLang="en-US" sz="2400"/>
+          </a:p>
+        </p:txBody>
+      </p:sp>
+      <p:pic>
+        <p:nvPicPr>
+          <p:cNvPr id="5" name="図 4" descr="グラフ, 散布図&#10;&#10;自動的に生成された説明">
+            <a:extLst>
+              <a:ext uri="{FF2B5EF4-FFF2-40B4-BE49-F238E27FC236}">
+                <a16:creationId xmlns:a16="http://schemas.microsoft.com/office/drawing/2014/main" id="{33F432ED-A3E3-9F43-A795-A599CC9C7ACB}"/>
+              </a:ext>
+            </a:extLst>
+          </p:cNvPr>
+          <p:cNvPicPr>
+            <a:picLocks noChangeAspect="1"/>
+          </p:cNvPicPr>
+          <p:nvPr/>
+        </p:nvPicPr>
+        <p:blipFill>
+          <a:blip r:embed="rId2"/>
+          <a:stretch>
+            <a:fillRect/>
+          </a:stretch>
+        </p:blipFill>
+        <p:spPr>
+          <a:xfrm>
+            <a:off x="285347" y="2276362"/>
+            <a:ext cx="5629316" cy="4020940"/>
+          </a:xfrm>
+          <a:prstGeom prst="rect">
+            <a:avLst/>
+          </a:prstGeom>
+        </p:spPr>
+      </p:pic>
+      <p:pic>
+        <p:nvPicPr>
+          <p:cNvPr id="9" name="図 8" descr="グラフ, 棒グラフ&#10;&#10;自動的に生成された説明">
+            <a:extLst>
+              <a:ext uri="{FF2B5EF4-FFF2-40B4-BE49-F238E27FC236}">
+                <a16:creationId xmlns:a16="http://schemas.microsoft.com/office/drawing/2014/main" id="{B46D5951-079A-1848-A312-4735689AA6D5}"/>
+              </a:ext>
+            </a:extLst>
+          </p:cNvPr>
+          <p:cNvPicPr>
+            <a:picLocks noChangeAspect="1"/>
+          </p:cNvPicPr>
+          <p:nvPr/>
+        </p:nvPicPr>
+        <p:blipFill>
+          <a:blip r:embed="rId3"/>
+          <a:stretch>
+            <a:fillRect/>
+          </a:stretch>
+        </p:blipFill>
+        <p:spPr>
+          <a:xfrm>
+            <a:off x="6096000" y="2302718"/>
+            <a:ext cx="5386086" cy="3847204"/>
+          </a:xfrm>
+          <a:prstGeom prst="rect">
+            <a:avLst/>
+          </a:prstGeom>
+        </p:spPr>
+      </p:pic>
+    </p:spTree>
+    <p:extLst>
+      <p:ext uri="{BB962C8B-B14F-4D97-AF65-F5344CB8AC3E}">
+        <p14:creationId xmlns:p14="http://schemas.microsoft.com/office/powerpoint/2010/main" val="211128300"/>
+      </p:ext>
+    </p:extLst>
+  </p:cSld>
+  <p:clrMapOvr>
+    <a:masterClrMapping/>
+  </p:clrMapOvr>
+</p:sld>
+</file>
+
+<file path=ppt/slides/slide8.xml><?xml version="1.0" encoding="utf-8"?>
+<p:sld xmlns:a="http://schemas.openxmlformats.org/drawingml/2006/main" xmlns:r="http://schemas.openxmlformats.org/officeDocument/2006/relationships" xmlns:p="http://schemas.openxmlformats.org/presentationml/2006/main">
+  <p:cSld>
+    <p:spTree>
+      <p:nvGrpSpPr>
+        <p:cNvPr id="1" name=""/>
+        <p:cNvGrpSpPr/>
+        <p:nvPr/>
+      </p:nvGrpSpPr>
+      <p:grpSpPr>
+        <a:xfrm>
+          <a:off x="0" y="0"/>
+          <a:ext cx="0" cy="0"/>
+          <a:chOff x="0" y="0"/>
+          <a:chExt cx="0" cy="0"/>
+        </a:xfrm>
+      </p:grpSpPr>
+      <p:sp>
+        <p:nvSpPr>
+          <p:cNvPr id="2" name="タイトル 1">
+            <a:extLst>
+              <a:ext uri="{FF2B5EF4-FFF2-40B4-BE49-F238E27FC236}">
+                <a16:creationId xmlns:a16="http://schemas.microsoft.com/office/drawing/2014/main" id="{6A09765D-D973-D148-AB22-A7A5F2C072E7}"/>
+              </a:ext>
+            </a:extLst>
+          </p:cNvPr>
+          <p:cNvSpPr>
+            <a:spLocks noGrp="1"/>
+          </p:cNvSpPr>
+          <p:nvPr>
+            <p:ph type="title"/>
+          </p:nvPr>
+        </p:nvSpPr>
+        <p:spPr/>
+        <p:txBody>
+          <a:bodyPr/>
+          <a:lstStyle/>
+          <a:p>
+            <a:r>
+              <a:rPr lang="en-US" altLang="ja-JP" dirty="0" err="1"/>
+              <a:t>Optuna</a:t>
+            </a:r>
+            <a:r>
+              <a:rPr lang="ja-JP" altLang="en-US"/>
+              <a:t>によるパラメータチューニング</a:t>
+            </a:r>
+            <a:endParaRPr kumimoji="1" lang="ja-JP" altLang="en-US"/>
+          </a:p>
+        </p:txBody>
+      </p:sp>
+      <p:sp>
+        <p:nvSpPr>
+          <p:cNvPr id="7" name="テキスト ボックス 6">
+            <a:extLst>
+              <a:ext uri="{FF2B5EF4-FFF2-40B4-BE49-F238E27FC236}">
+                <a16:creationId xmlns:a16="http://schemas.microsoft.com/office/drawing/2014/main" id="{51011442-9687-6C4E-B727-BC5E7A6A886F}"/>
+              </a:ext>
+            </a:extLst>
+          </p:cNvPr>
+          <p:cNvSpPr txBox="1"/>
+          <p:nvPr/>
+        </p:nvSpPr>
+        <p:spPr>
+          <a:xfrm>
+            <a:off x="761963" y="1635598"/>
+            <a:ext cx="1617751" cy="461665"/>
+          </a:xfrm>
+          <a:prstGeom prst="rect">
+            <a:avLst/>
+          </a:prstGeom>
+          <a:noFill/>
+        </p:spPr>
+        <p:txBody>
+          <a:bodyPr wrap="none" rtlCol="0">
+            <a:spAutoFit/>
+          </a:bodyPr>
+          <a:lstStyle/>
+          <a:p>
+            <a:r>
+              <a:rPr kumimoji="1" lang="en-US" altLang="ja-JP" sz="2400" dirty="0" err="1"/>
+              <a:t>LightGBM</a:t>
+            </a:r>
+            <a:endParaRPr kumimoji="1" lang="ja-JP" altLang="en-US" sz="2400"/>
+          </a:p>
+        </p:txBody>
+      </p:sp>
+      <p:pic>
+        <p:nvPicPr>
+          <p:cNvPr id="5" name="図 4" descr="ダイアグラム&#10;&#10;自動的に生成された説明">
+            <a:extLst>
+              <a:ext uri="{FF2B5EF4-FFF2-40B4-BE49-F238E27FC236}">
+                <a16:creationId xmlns:a16="http://schemas.microsoft.com/office/drawing/2014/main" id="{818BACB4-4101-3148-BB4D-BDB1DD479CAC}"/>
+              </a:ext>
+            </a:extLst>
+          </p:cNvPr>
+          <p:cNvPicPr>
+            <a:picLocks noChangeAspect="1"/>
+          </p:cNvPicPr>
+          <p:nvPr/>
+        </p:nvPicPr>
+        <p:blipFill>
+          <a:blip r:embed="rId2"/>
+          <a:stretch>
+            <a:fillRect/>
+          </a:stretch>
+        </p:blipFill>
+        <p:spPr>
+          <a:xfrm>
+            <a:off x="239048" y="2238897"/>
+            <a:ext cx="5455695" cy="3896925"/>
+          </a:xfrm>
+          <a:prstGeom prst="rect">
+            <a:avLst/>
+          </a:prstGeom>
+        </p:spPr>
+      </p:pic>
+      <p:pic>
+        <p:nvPicPr>
+          <p:cNvPr id="10" name="図 9" descr="カレンダー&#10;&#10;自動的に生成された説明">
+            <a:extLst>
+              <a:ext uri="{FF2B5EF4-FFF2-40B4-BE49-F238E27FC236}">
+                <a16:creationId xmlns:a16="http://schemas.microsoft.com/office/drawing/2014/main" id="{119FFFDF-0C01-A647-819D-DC2DA44BB2E1}"/>
+              </a:ext>
+            </a:extLst>
+          </p:cNvPr>
+          <p:cNvPicPr>
+            <a:picLocks noChangeAspect="1"/>
+          </p:cNvPicPr>
+          <p:nvPr/>
+        </p:nvPicPr>
+        <p:blipFill rotWithShape="1">
+          <a:blip r:embed="rId3"/>
+          <a:srcRect t="4121" r="43591" b="3645"/>
+          <a:stretch/>
+        </p:blipFill>
+        <p:spPr>
+          <a:xfrm>
+            <a:off x="6057048" y="1510495"/>
+            <a:ext cx="5372989" cy="2928395"/>
+          </a:xfrm>
+          <a:prstGeom prst="rect">
+            <a:avLst/>
+          </a:prstGeom>
+        </p:spPr>
+      </p:pic>
+      <p:pic>
+        <p:nvPicPr>
+          <p:cNvPr id="11" name="図 10" descr="カレンダー&#10;&#10;自動的に生成された説明">
+            <a:extLst>
+              <a:ext uri="{FF2B5EF4-FFF2-40B4-BE49-F238E27FC236}">
+                <a16:creationId xmlns:a16="http://schemas.microsoft.com/office/drawing/2014/main" id="{F3170C95-0A9A-FE4D-BCEE-3399EB1C4A6D}"/>
+              </a:ext>
+            </a:extLst>
+          </p:cNvPr>
+          <p:cNvPicPr>
+            <a:picLocks noChangeAspect="1"/>
+          </p:cNvPicPr>
+          <p:nvPr/>
+        </p:nvPicPr>
+        <p:blipFill rotWithShape="1">
+          <a:blip r:embed="rId3"/>
+          <a:srcRect l="57246" t="17660" r="1788" b="6147"/>
+          <a:stretch/>
+        </p:blipFill>
+        <p:spPr>
+          <a:xfrm>
+            <a:off x="6242616" y="4438890"/>
+            <a:ext cx="3902116" cy="2419110"/>
+          </a:xfrm>
+          <a:prstGeom prst="rect">
+            <a:avLst/>
+          </a:prstGeom>
+        </p:spPr>
+      </p:pic>
+    </p:spTree>
+    <p:extLst>
+      <p:ext uri="{BB962C8B-B14F-4D97-AF65-F5344CB8AC3E}">
+        <p14:creationId xmlns:p14="http://schemas.microsoft.com/office/powerpoint/2010/main" val="3891417959"/>
+      </p:ext>
+    </p:extLst>
+  </p:cSld>
+  <p:clrMapOvr>
+    <a:masterClrMapping/>
+  </p:clrMapOvr>
+</p:sld>
+</file>
+
+<file path=ppt/slides/slide9.xml><?xml version="1.0" encoding="utf-8"?>
+<p:sld xmlns:a="http://schemas.openxmlformats.org/drawingml/2006/main" xmlns:r="http://schemas.openxmlformats.org/officeDocument/2006/relationships" xmlns:p="http://schemas.openxmlformats.org/presentationml/2006/main">
+  <p:cSld>
+    <p:spTree>
+      <p:nvGrpSpPr>
+        <p:cNvPr id="1" name=""/>
+        <p:cNvGrpSpPr/>
+        <p:nvPr/>
+      </p:nvGrpSpPr>
+      <p:grpSpPr>
+        <a:xfrm>
+          <a:off x="0" y="0"/>
+          <a:ext cx="0" cy="0"/>
+          <a:chOff x="0" y="0"/>
+          <a:chExt cx="0" cy="0"/>
+        </a:xfrm>
+      </p:grpSpPr>
+      <p:sp>
+        <p:nvSpPr>
+          <p:cNvPr id="2" name="タイトル 1">
+            <a:extLst>
+              <a:ext uri="{FF2B5EF4-FFF2-40B4-BE49-F238E27FC236}">
+                <a16:creationId xmlns:a16="http://schemas.microsoft.com/office/drawing/2014/main" id="{F9882587-37F1-774E-9D59-080B49D6052D}"/>
+              </a:ext>
+            </a:extLst>
+          </p:cNvPr>
+          <p:cNvSpPr>
+            <a:spLocks noGrp="1"/>
+          </p:cNvSpPr>
+          <p:nvPr>
+            <p:ph type="title"/>
+          </p:nvPr>
+        </p:nvSpPr>
+        <p:spPr/>
+        <p:txBody>
+          <a:bodyPr/>
+          <a:lstStyle/>
+          <a:p>
+            <a:r>
+              <a:rPr kumimoji="1" lang="en-US" altLang="ja-JP" dirty="0" err="1"/>
+              <a:t>Optuna</a:t>
+            </a:r>
+            <a:r>
+              <a:rPr kumimoji="1" lang="ja-JP" altLang="en-US"/>
+              <a:t>によるパラメータチューニング</a:t>
+            </a:r>
+          </a:p>
+        </p:txBody>
+      </p:sp>
+      <p:sp>
+        <p:nvSpPr>
+          <p:cNvPr id="7" name="テキスト ボックス 6">
+            <a:extLst>
+              <a:ext uri="{FF2B5EF4-FFF2-40B4-BE49-F238E27FC236}">
+                <a16:creationId xmlns:a16="http://schemas.microsoft.com/office/drawing/2014/main" id="{6459B742-0AA7-5C4D-97A0-4042C9C852BD}"/>
+              </a:ext>
+            </a:extLst>
+          </p:cNvPr>
+          <p:cNvSpPr txBox="1"/>
+          <p:nvPr/>
+        </p:nvSpPr>
+        <p:spPr>
+          <a:xfrm>
+            <a:off x="761963" y="1635598"/>
+            <a:ext cx="861133" cy="461665"/>
+          </a:xfrm>
+          <a:prstGeom prst="rect">
+            <a:avLst/>
+          </a:prstGeom>
+          <a:noFill/>
+        </p:spPr>
+        <p:txBody>
+          <a:bodyPr wrap="none" rtlCol="0">
+            <a:spAutoFit/>
+          </a:bodyPr>
+          <a:lstStyle/>
+          <a:p>
+            <a:r>
+              <a:rPr lang="en-US" altLang="ja-JP" sz="2400" dirty="0"/>
+              <a:t>SVM</a:t>
+            </a:r>
+            <a:endParaRPr lang="ja-JP" altLang="en-US" sz="2400"/>
+          </a:p>
+        </p:txBody>
+      </p:sp>
+      <p:pic>
+        <p:nvPicPr>
+          <p:cNvPr id="5" name="図 4" descr="グラフ, 散布図&#10;&#10;自動的に生成された説明">
+            <a:extLst>
+              <a:ext uri="{FF2B5EF4-FFF2-40B4-BE49-F238E27FC236}">
+                <a16:creationId xmlns:a16="http://schemas.microsoft.com/office/drawing/2014/main" id="{DDE79B2D-75C6-F54A-80FA-8F44B961FFED}"/>
+              </a:ext>
+            </a:extLst>
+          </p:cNvPr>
+          <p:cNvPicPr>
+            <a:picLocks noChangeAspect="1"/>
+          </p:cNvPicPr>
+          <p:nvPr/>
+        </p:nvPicPr>
+        <p:blipFill>
+          <a:blip r:embed="rId2"/>
+          <a:stretch>
+            <a:fillRect/>
+          </a:stretch>
+        </p:blipFill>
+        <p:spPr>
+          <a:xfrm>
+            <a:off x="376748" y="2279469"/>
+            <a:ext cx="5607363" cy="4005259"/>
+          </a:xfrm>
+          <a:prstGeom prst="rect">
+            <a:avLst/>
+          </a:prstGeom>
+        </p:spPr>
+      </p:pic>
+      <p:pic>
+        <p:nvPicPr>
+          <p:cNvPr id="8" name="図 7" descr="グラフ, 棒グラフ&#10;&#10;自動的に生成された説明">
+            <a:extLst>
+              <a:ext uri="{FF2B5EF4-FFF2-40B4-BE49-F238E27FC236}">
+                <a16:creationId xmlns:a16="http://schemas.microsoft.com/office/drawing/2014/main" id="{0E13A1D5-4590-004F-9EDC-73AC3099FAE7}"/>
+              </a:ext>
+            </a:extLst>
+          </p:cNvPr>
+          <p:cNvPicPr>
+            <a:picLocks noChangeAspect="1"/>
+          </p:cNvPicPr>
+          <p:nvPr/>
+        </p:nvPicPr>
+        <p:blipFill>
+          <a:blip r:embed="rId3"/>
+          <a:stretch>
+            <a:fillRect/>
+          </a:stretch>
+        </p:blipFill>
+        <p:spPr>
+          <a:xfrm>
+            <a:off x="6385206" y="2512832"/>
+            <a:ext cx="5430046" cy="3878604"/>
+          </a:xfrm>
+          <a:prstGeom prst="rect">
+            <a:avLst/>
+          </a:prstGeom>
+        </p:spPr>
+      </p:pic>
+    </p:spTree>
+    <p:extLst>
+      <p:ext uri="{BB962C8B-B14F-4D97-AF65-F5344CB8AC3E}">
+        <p14:creationId xmlns:p14="http://schemas.microsoft.com/office/powerpoint/2010/main" val="1582503216"/>
       </p:ext>
     </p:extLst>
   </p:cSld>
